--- a/RawImageFiles/5-1-AliGpsAndThermalData.pptx
+++ b/RawImageFiles/5-1-AliGpsAndThermalData.pptx
@@ -2,12 +2,12 @@
 <file path=ppt/presentation.xml><?xml version="1.0" encoding="utf-8"?>
 <p:presentation xmlns:a="http://schemas.openxmlformats.org/drawingml/2006/main" xmlns:r="http://schemas.openxmlformats.org/officeDocument/2006/relationships" xmlns:p="http://schemas.openxmlformats.org/presentationml/2006/main" saveSubsetFonts="1">
   <p:sldMasterIdLst>
-    <p:sldMasterId id="2147483732" r:id="rId1"/>
+    <p:sldMasterId id="2147483804" r:id="rId1"/>
   </p:sldMasterIdLst>
   <p:sldIdLst>
     <p:sldId id="256" r:id="rId2"/>
   </p:sldIdLst>
-  <p:sldSz cx="10691813" cy="4572000"/>
+  <p:sldSz cx="5761038" cy="9601200"/>
   <p:notesSz cx="6858000" cy="9144000"/>
   <p:defaultTextStyle>
     <a:defPPr>
@@ -141,15 +141,15 @@
         </p:nvSpPr>
         <p:spPr>
           <a:xfrm>
-            <a:off x="1336477" y="748242"/>
-            <a:ext cx="8018860" cy="1591733"/>
+            <a:off x="432078" y="1571308"/>
+            <a:ext cx="4896882" cy="3342640"/>
           </a:xfrm>
         </p:spPr>
         <p:txBody>
           <a:bodyPr anchor="b"/>
           <a:lstStyle>
             <a:lvl1pPr algn="ctr">
-              <a:defRPr sz="4000"/>
+              <a:defRPr sz="3780"/>
             </a:lvl1pPr>
           </a:lstStyle>
           <a:p>
@@ -173,8 +173,8 @@
         </p:nvSpPr>
         <p:spPr>
           <a:xfrm>
-            <a:off x="1336477" y="2401359"/>
-            <a:ext cx="8018860" cy="1103841"/>
+            <a:off x="720130" y="5042853"/>
+            <a:ext cx="4320779" cy="2318067"/>
           </a:xfrm>
         </p:spPr>
         <p:txBody>
@@ -182,39 +182,39 @@
           <a:lstStyle>
             <a:lvl1pPr marL="0" indent="0" algn="ctr">
               <a:buNone/>
-              <a:defRPr sz="1600"/>
+              <a:defRPr sz="1512"/>
             </a:lvl1pPr>
-            <a:lvl2pPr marL="304815" indent="0" algn="ctr">
-              <a:buNone/>
-              <a:defRPr sz="1333"/>
+            <a:lvl2pPr marL="288036" indent="0" algn="ctr">
+              <a:buNone/>
+              <a:defRPr sz="1260"/>
             </a:lvl2pPr>
-            <a:lvl3pPr marL="609630" indent="0" algn="ctr">
-              <a:buNone/>
-              <a:defRPr sz="1200"/>
+            <a:lvl3pPr marL="576072" indent="0" algn="ctr">
+              <a:buNone/>
+              <a:defRPr sz="1134"/>
             </a:lvl3pPr>
-            <a:lvl4pPr marL="914446" indent="0" algn="ctr">
-              <a:buNone/>
-              <a:defRPr sz="1067"/>
+            <a:lvl4pPr marL="864108" indent="0" algn="ctr">
+              <a:buNone/>
+              <a:defRPr sz="1008"/>
             </a:lvl4pPr>
-            <a:lvl5pPr marL="1219261" indent="0" algn="ctr">
-              <a:buNone/>
-              <a:defRPr sz="1067"/>
+            <a:lvl5pPr marL="1152144" indent="0" algn="ctr">
+              <a:buNone/>
+              <a:defRPr sz="1008"/>
             </a:lvl5pPr>
-            <a:lvl6pPr marL="1524076" indent="0" algn="ctr">
-              <a:buNone/>
-              <a:defRPr sz="1067"/>
+            <a:lvl6pPr marL="1440180" indent="0" algn="ctr">
+              <a:buNone/>
+              <a:defRPr sz="1008"/>
             </a:lvl6pPr>
-            <a:lvl7pPr marL="1828891" indent="0" algn="ctr">
-              <a:buNone/>
-              <a:defRPr sz="1067"/>
+            <a:lvl7pPr marL="1728216" indent="0" algn="ctr">
+              <a:buNone/>
+              <a:defRPr sz="1008"/>
             </a:lvl7pPr>
-            <a:lvl8pPr marL="2133707" indent="0" algn="ctr">
-              <a:buNone/>
-              <a:defRPr sz="1067"/>
+            <a:lvl8pPr marL="2016252" indent="0" algn="ctr">
+              <a:buNone/>
+              <a:defRPr sz="1008"/>
             </a:lvl8pPr>
-            <a:lvl9pPr marL="2438522" indent="0" algn="ctr">
-              <a:buNone/>
-              <a:defRPr sz="1067"/>
+            <a:lvl9pPr marL="2304288" indent="0" algn="ctr">
+              <a:buNone/>
+              <a:defRPr sz="1008"/>
             </a:lvl9pPr>
           </a:lstStyle>
           <a:p>
@@ -243,7 +243,7 @@
           <a:p>
             <a:fld id="{61DFAEE6-30E3-4167-ADF0-D523BAFA5179}" type="datetimeFigureOut">
               <a:rPr lang="en-CA" smtClean="0"/>
-              <a:t>04/11/2015</a:t>
+              <a:t>2016-08-09</a:t>
             </a:fld>
             <a:endParaRPr lang="en-CA"/>
           </a:p>
@@ -294,7 +294,7 @@
     </p:spTree>
     <p:extLst>
       <p:ext uri="{BB962C8B-B14F-4D97-AF65-F5344CB8AC3E}">
-        <p14:creationId xmlns:p14="http://schemas.microsoft.com/office/powerpoint/2010/main" val="395206576"/>
+        <p14:creationId xmlns:p14="http://schemas.microsoft.com/office/powerpoint/2010/main" val="3969788026"/>
       </p:ext>
     </p:extLst>
   </p:cSld>
@@ -413,7 +413,7 @@
           <a:p>
             <a:fld id="{61DFAEE6-30E3-4167-ADF0-D523BAFA5179}" type="datetimeFigureOut">
               <a:rPr lang="en-CA" smtClean="0"/>
-              <a:t>04/11/2015</a:t>
+              <a:t>2016-08-09</a:t>
             </a:fld>
             <a:endParaRPr lang="en-CA"/>
           </a:p>
@@ -464,7 +464,7 @@
     </p:spTree>
     <p:extLst>
       <p:ext uri="{BB962C8B-B14F-4D97-AF65-F5344CB8AC3E}">
-        <p14:creationId xmlns:p14="http://schemas.microsoft.com/office/powerpoint/2010/main" val="2529273572"/>
+        <p14:creationId xmlns:p14="http://schemas.microsoft.com/office/powerpoint/2010/main" val="1491939412"/>
       </p:ext>
     </p:extLst>
   </p:cSld>
@@ -503,8 +503,8 @@
         </p:nvSpPr>
         <p:spPr>
           <a:xfrm>
-            <a:off x="7651329" y="243417"/>
-            <a:ext cx="2305422" cy="3874559"/>
+            <a:off x="4122743" y="511175"/>
+            <a:ext cx="1242224" cy="8136573"/>
           </a:xfrm>
         </p:spPr>
         <p:txBody>
@@ -531,8 +531,8 @@
         </p:nvSpPr>
         <p:spPr>
           <a:xfrm>
-            <a:off x="735062" y="243417"/>
-            <a:ext cx="6782619" cy="3874559"/>
+            <a:off x="396072" y="511175"/>
+            <a:ext cx="3654658" cy="8136573"/>
           </a:xfrm>
         </p:spPr>
         <p:txBody>
@@ -593,7 +593,7 @@
           <a:p>
             <a:fld id="{61DFAEE6-30E3-4167-ADF0-D523BAFA5179}" type="datetimeFigureOut">
               <a:rPr lang="en-CA" smtClean="0"/>
-              <a:t>04/11/2015</a:t>
+              <a:t>2016-08-09</a:t>
             </a:fld>
             <a:endParaRPr lang="en-CA"/>
           </a:p>
@@ -644,7 +644,7 @@
     </p:spTree>
     <p:extLst>
       <p:ext uri="{BB962C8B-B14F-4D97-AF65-F5344CB8AC3E}">
-        <p14:creationId xmlns:p14="http://schemas.microsoft.com/office/powerpoint/2010/main" val="3544645457"/>
+        <p14:creationId xmlns:p14="http://schemas.microsoft.com/office/powerpoint/2010/main" val="830716498"/>
       </p:ext>
     </p:extLst>
   </p:cSld>
@@ -763,7 +763,7 @@
           <a:p>
             <a:fld id="{61DFAEE6-30E3-4167-ADF0-D523BAFA5179}" type="datetimeFigureOut">
               <a:rPr lang="en-CA" smtClean="0"/>
-              <a:t>04/11/2015</a:t>
+              <a:t>2016-08-09</a:t>
             </a:fld>
             <a:endParaRPr lang="en-CA"/>
           </a:p>
@@ -814,7 +814,7 @@
     </p:spTree>
     <p:extLst>
       <p:ext uri="{BB962C8B-B14F-4D97-AF65-F5344CB8AC3E}">
-        <p14:creationId xmlns:p14="http://schemas.microsoft.com/office/powerpoint/2010/main" val="1505362034"/>
+        <p14:creationId xmlns:p14="http://schemas.microsoft.com/office/powerpoint/2010/main" val="3813976"/>
       </p:ext>
     </p:extLst>
   </p:cSld>
@@ -853,15 +853,15 @@
         </p:nvSpPr>
         <p:spPr>
           <a:xfrm>
-            <a:off x="729493" y="1139826"/>
-            <a:ext cx="9221689" cy="1901825"/>
+            <a:off x="393071" y="2393635"/>
+            <a:ext cx="4968895" cy="3993832"/>
           </a:xfrm>
         </p:spPr>
         <p:txBody>
           <a:bodyPr anchor="b"/>
           <a:lstStyle>
             <a:lvl1pPr>
-              <a:defRPr sz="4000"/>
+              <a:defRPr sz="3780"/>
             </a:lvl1pPr>
           </a:lstStyle>
           <a:p>
@@ -885,8 +885,8 @@
         </p:nvSpPr>
         <p:spPr>
           <a:xfrm>
-            <a:off x="729493" y="3059642"/>
-            <a:ext cx="9221689" cy="1000125"/>
+            <a:off x="393071" y="6425250"/>
+            <a:ext cx="4968895" cy="2100262"/>
           </a:xfrm>
         </p:spPr>
         <p:txBody>
@@ -894,17 +894,15 @@
           <a:lstStyle>
             <a:lvl1pPr marL="0" indent="0">
               <a:buNone/>
-              <a:defRPr sz="1600">
+              <a:defRPr sz="1512">
                 <a:solidFill>
-                  <a:schemeClr val="tx1">
-                    <a:tint val="75000"/>
-                  </a:schemeClr>
+                  <a:schemeClr val="tx1"/>
                 </a:solidFill>
               </a:defRPr>
             </a:lvl1pPr>
-            <a:lvl2pPr marL="304815" indent="0">
-              <a:buNone/>
-              <a:defRPr sz="1333">
+            <a:lvl2pPr marL="288036" indent="0">
+              <a:buNone/>
+              <a:defRPr sz="1260">
                 <a:solidFill>
                   <a:schemeClr val="tx1">
                     <a:tint val="75000"/>
@@ -912,9 +910,9 @@
                 </a:solidFill>
               </a:defRPr>
             </a:lvl2pPr>
-            <a:lvl3pPr marL="609630" indent="0">
-              <a:buNone/>
-              <a:defRPr sz="1200">
+            <a:lvl3pPr marL="576072" indent="0">
+              <a:buNone/>
+              <a:defRPr sz="1134">
                 <a:solidFill>
                   <a:schemeClr val="tx1">
                     <a:tint val="75000"/>
@@ -922,9 +920,9 @@
                 </a:solidFill>
               </a:defRPr>
             </a:lvl3pPr>
-            <a:lvl4pPr marL="914446" indent="0">
-              <a:buNone/>
-              <a:defRPr sz="1067">
+            <a:lvl4pPr marL="864108" indent="0">
+              <a:buNone/>
+              <a:defRPr sz="1008">
                 <a:solidFill>
                   <a:schemeClr val="tx1">
                     <a:tint val="75000"/>
@@ -932,9 +930,9 @@
                 </a:solidFill>
               </a:defRPr>
             </a:lvl4pPr>
-            <a:lvl5pPr marL="1219261" indent="0">
-              <a:buNone/>
-              <a:defRPr sz="1067">
+            <a:lvl5pPr marL="1152144" indent="0">
+              <a:buNone/>
+              <a:defRPr sz="1008">
                 <a:solidFill>
                   <a:schemeClr val="tx1">
                     <a:tint val="75000"/>
@@ -942,9 +940,9 @@
                 </a:solidFill>
               </a:defRPr>
             </a:lvl5pPr>
-            <a:lvl6pPr marL="1524076" indent="0">
-              <a:buNone/>
-              <a:defRPr sz="1067">
+            <a:lvl6pPr marL="1440180" indent="0">
+              <a:buNone/>
+              <a:defRPr sz="1008">
                 <a:solidFill>
                   <a:schemeClr val="tx1">
                     <a:tint val="75000"/>
@@ -952,9 +950,9 @@
                 </a:solidFill>
               </a:defRPr>
             </a:lvl6pPr>
-            <a:lvl7pPr marL="1828891" indent="0">
-              <a:buNone/>
-              <a:defRPr sz="1067">
+            <a:lvl7pPr marL="1728216" indent="0">
+              <a:buNone/>
+              <a:defRPr sz="1008">
                 <a:solidFill>
                   <a:schemeClr val="tx1">
                     <a:tint val="75000"/>
@@ -962,9 +960,9 @@
                 </a:solidFill>
               </a:defRPr>
             </a:lvl7pPr>
-            <a:lvl8pPr marL="2133707" indent="0">
-              <a:buNone/>
-              <a:defRPr sz="1067">
+            <a:lvl8pPr marL="2016252" indent="0">
+              <a:buNone/>
+              <a:defRPr sz="1008">
                 <a:solidFill>
                   <a:schemeClr val="tx1">
                     <a:tint val="75000"/>
@@ -972,9 +970,9 @@
                 </a:solidFill>
               </a:defRPr>
             </a:lvl8pPr>
-            <a:lvl9pPr marL="2438522" indent="0">
-              <a:buNone/>
-              <a:defRPr sz="1067">
+            <a:lvl9pPr marL="2304288" indent="0">
+              <a:buNone/>
+              <a:defRPr sz="1008">
                 <a:solidFill>
                   <a:schemeClr val="tx1">
                     <a:tint val="75000"/>
@@ -1009,7 +1007,7 @@
           <a:p>
             <a:fld id="{61DFAEE6-30E3-4167-ADF0-D523BAFA5179}" type="datetimeFigureOut">
               <a:rPr lang="en-CA" smtClean="0"/>
-              <a:t>04/11/2015</a:t>
+              <a:t>2016-08-09</a:t>
             </a:fld>
             <a:endParaRPr lang="en-CA"/>
           </a:p>
@@ -1060,7 +1058,7 @@
     </p:spTree>
     <p:extLst>
       <p:ext uri="{BB962C8B-B14F-4D97-AF65-F5344CB8AC3E}">
-        <p14:creationId xmlns:p14="http://schemas.microsoft.com/office/powerpoint/2010/main" val="2696863754"/>
+        <p14:creationId xmlns:p14="http://schemas.microsoft.com/office/powerpoint/2010/main" val="1946994136"/>
       </p:ext>
     </p:extLst>
   </p:cSld>
@@ -1122,8 +1120,8 @@
         </p:nvSpPr>
         <p:spPr>
           <a:xfrm>
-            <a:off x="735062" y="1217083"/>
-            <a:ext cx="4544021" cy="2900892"/>
+            <a:off x="396071" y="2555875"/>
+            <a:ext cx="2448441" cy="6091873"/>
           </a:xfrm>
         </p:spPr>
         <p:txBody>
@@ -1179,8 +1177,8 @@
         </p:nvSpPr>
         <p:spPr>
           <a:xfrm>
-            <a:off x="5412730" y="1217083"/>
-            <a:ext cx="4544021" cy="2900892"/>
+            <a:off x="2916526" y="2555875"/>
+            <a:ext cx="2448441" cy="6091873"/>
           </a:xfrm>
         </p:spPr>
         <p:txBody>
@@ -1241,7 +1239,7 @@
           <a:p>
             <a:fld id="{61DFAEE6-30E3-4167-ADF0-D523BAFA5179}" type="datetimeFigureOut">
               <a:rPr lang="en-CA" smtClean="0"/>
-              <a:t>04/11/2015</a:t>
+              <a:t>2016-08-09</a:t>
             </a:fld>
             <a:endParaRPr lang="en-CA"/>
           </a:p>
@@ -1292,7 +1290,7 @@
     </p:spTree>
     <p:extLst>
       <p:ext uri="{BB962C8B-B14F-4D97-AF65-F5344CB8AC3E}">
-        <p14:creationId xmlns:p14="http://schemas.microsoft.com/office/powerpoint/2010/main" val="3648086406"/>
+        <p14:creationId xmlns:p14="http://schemas.microsoft.com/office/powerpoint/2010/main" val="894044814"/>
       </p:ext>
     </p:extLst>
   </p:cSld>
@@ -1331,8 +1329,8 @@
         </p:nvSpPr>
         <p:spPr>
           <a:xfrm>
-            <a:off x="736455" y="243417"/>
-            <a:ext cx="9221689" cy="883709"/>
+            <a:off x="396822" y="511177"/>
+            <a:ext cx="4968895" cy="1855788"/>
           </a:xfrm>
         </p:spPr>
         <p:txBody>
@@ -1359,8 +1357,8 @@
         </p:nvSpPr>
         <p:spPr>
           <a:xfrm>
-            <a:off x="736455" y="1120775"/>
-            <a:ext cx="4523138" cy="549275"/>
+            <a:off x="396822" y="2353628"/>
+            <a:ext cx="2437189" cy="1153477"/>
           </a:xfrm>
         </p:spPr>
         <p:txBody>
@@ -1368,39 +1366,39 @@
           <a:lstStyle>
             <a:lvl1pPr marL="0" indent="0">
               <a:buNone/>
-              <a:defRPr sz="1600" b="1"/>
+              <a:defRPr sz="1512" b="1"/>
             </a:lvl1pPr>
-            <a:lvl2pPr marL="304815" indent="0">
-              <a:buNone/>
-              <a:defRPr sz="1333" b="1"/>
+            <a:lvl2pPr marL="288036" indent="0">
+              <a:buNone/>
+              <a:defRPr sz="1260" b="1"/>
             </a:lvl2pPr>
-            <a:lvl3pPr marL="609630" indent="0">
-              <a:buNone/>
-              <a:defRPr sz="1200" b="1"/>
+            <a:lvl3pPr marL="576072" indent="0">
+              <a:buNone/>
+              <a:defRPr sz="1134" b="1"/>
             </a:lvl3pPr>
-            <a:lvl4pPr marL="914446" indent="0">
-              <a:buNone/>
-              <a:defRPr sz="1067" b="1"/>
+            <a:lvl4pPr marL="864108" indent="0">
+              <a:buNone/>
+              <a:defRPr sz="1008" b="1"/>
             </a:lvl4pPr>
-            <a:lvl5pPr marL="1219261" indent="0">
-              <a:buNone/>
-              <a:defRPr sz="1067" b="1"/>
+            <a:lvl5pPr marL="1152144" indent="0">
+              <a:buNone/>
+              <a:defRPr sz="1008" b="1"/>
             </a:lvl5pPr>
-            <a:lvl6pPr marL="1524076" indent="0">
-              <a:buNone/>
-              <a:defRPr sz="1067" b="1"/>
+            <a:lvl6pPr marL="1440180" indent="0">
+              <a:buNone/>
+              <a:defRPr sz="1008" b="1"/>
             </a:lvl6pPr>
-            <a:lvl7pPr marL="1828891" indent="0">
-              <a:buNone/>
-              <a:defRPr sz="1067" b="1"/>
+            <a:lvl7pPr marL="1728216" indent="0">
+              <a:buNone/>
+              <a:defRPr sz="1008" b="1"/>
             </a:lvl7pPr>
-            <a:lvl8pPr marL="2133707" indent="0">
-              <a:buNone/>
-              <a:defRPr sz="1067" b="1"/>
+            <a:lvl8pPr marL="2016252" indent="0">
+              <a:buNone/>
+              <a:defRPr sz="1008" b="1"/>
             </a:lvl8pPr>
-            <a:lvl9pPr marL="2438522" indent="0">
-              <a:buNone/>
-              <a:defRPr sz="1067" b="1"/>
+            <a:lvl9pPr marL="2304288" indent="0">
+              <a:buNone/>
+              <a:defRPr sz="1008" b="1"/>
             </a:lvl9pPr>
           </a:lstStyle>
           <a:p>
@@ -1424,8 +1422,8 @@
         </p:nvSpPr>
         <p:spPr>
           <a:xfrm>
-            <a:off x="736455" y="1670050"/>
-            <a:ext cx="4523138" cy="2456392"/>
+            <a:off x="396822" y="3507105"/>
+            <a:ext cx="2437189" cy="5158423"/>
           </a:xfrm>
         </p:spPr>
         <p:txBody>
@@ -1481,8 +1479,8 @@
         </p:nvSpPr>
         <p:spPr>
           <a:xfrm>
-            <a:off x="5412730" y="1120775"/>
-            <a:ext cx="4545413" cy="549275"/>
+            <a:off x="2916526" y="2353628"/>
+            <a:ext cx="2449192" cy="1153477"/>
           </a:xfrm>
         </p:spPr>
         <p:txBody>
@@ -1490,39 +1488,39 @@
           <a:lstStyle>
             <a:lvl1pPr marL="0" indent="0">
               <a:buNone/>
-              <a:defRPr sz="1600" b="1"/>
+              <a:defRPr sz="1512" b="1"/>
             </a:lvl1pPr>
-            <a:lvl2pPr marL="304815" indent="0">
-              <a:buNone/>
-              <a:defRPr sz="1333" b="1"/>
+            <a:lvl2pPr marL="288036" indent="0">
+              <a:buNone/>
+              <a:defRPr sz="1260" b="1"/>
             </a:lvl2pPr>
-            <a:lvl3pPr marL="609630" indent="0">
-              <a:buNone/>
-              <a:defRPr sz="1200" b="1"/>
+            <a:lvl3pPr marL="576072" indent="0">
+              <a:buNone/>
+              <a:defRPr sz="1134" b="1"/>
             </a:lvl3pPr>
-            <a:lvl4pPr marL="914446" indent="0">
-              <a:buNone/>
-              <a:defRPr sz="1067" b="1"/>
+            <a:lvl4pPr marL="864108" indent="0">
+              <a:buNone/>
+              <a:defRPr sz="1008" b="1"/>
             </a:lvl4pPr>
-            <a:lvl5pPr marL="1219261" indent="0">
-              <a:buNone/>
-              <a:defRPr sz="1067" b="1"/>
+            <a:lvl5pPr marL="1152144" indent="0">
+              <a:buNone/>
+              <a:defRPr sz="1008" b="1"/>
             </a:lvl5pPr>
-            <a:lvl6pPr marL="1524076" indent="0">
-              <a:buNone/>
-              <a:defRPr sz="1067" b="1"/>
+            <a:lvl6pPr marL="1440180" indent="0">
+              <a:buNone/>
+              <a:defRPr sz="1008" b="1"/>
             </a:lvl6pPr>
-            <a:lvl7pPr marL="1828891" indent="0">
-              <a:buNone/>
-              <a:defRPr sz="1067" b="1"/>
+            <a:lvl7pPr marL="1728216" indent="0">
+              <a:buNone/>
+              <a:defRPr sz="1008" b="1"/>
             </a:lvl7pPr>
-            <a:lvl8pPr marL="2133707" indent="0">
-              <a:buNone/>
-              <a:defRPr sz="1067" b="1"/>
+            <a:lvl8pPr marL="2016252" indent="0">
+              <a:buNone/>
+              <a:defRPr sz="1008" b="1"/>
             </a:lvl8pPr>
-            <a:lvl9pPr marL="2438522" indent="0">
-              <a:buNone/>
-              <a:defRPr sz="1067" b="1"/>
+            <a:lvl9pPr marL="2304288" indent="0">
+              <a:buNone/>
+              <a:defRPr sz="1008" b="1"/>
             </a:lvl9pPr>
           </a:lstStyle>
           <a:p>
@@ -1546,8 +1544,8 @@
         </p:nvSpPr>
         <p:spPr>
           <a:xfrm>
-            <a:off x="5412730" y="1670050"/>
-            <a:ext cx="4545413" cy="2456392"/>
+            <a:off x="2916526" y="3507105"/>
+            <a:ext cx="2449192" cy="5158423"/>
           </a:xfrm>
         </p:spPr>
         <p:txBody>
@@ -1608,7 +1606,7 @@
           <a:p>
             <a:fld id="{61DFAEE6-30E3-4167-ADF0-D523BAFA5179}" type="datetimeFigureOut">
               <a:rPr lang="en-CA" smtClean="0"/>
-              <a:t>04/11/2015</a:t>
+              <a:t>2016-08-09</a:t>
             </a:fld>
             <a:endParaRPr lang="en-CA"/>
           </a:p>
@@ -1659,7 +1657,7 @@
     </p:spTree>
     <p:extLst>
       <p:ext uri="{BB962C8B-B14F-4D97-AF65-F5344CB8AC3E}">
-        <p14:creationId xmlns:p14="http://schemas.microsoft.com/office/powerpoint/2010/main" val="3668662783"/>
+        <p14:creationId xmlns:p14="http://schemas.microsoft.com/office/powerpoint/2010/main" val="3464364769"/>
       </p:ext>
     </p:extLst>
   </p:cSld>
@@ -1726,7 +1724,7 @@
           <a:p>
             <a:fld id="{61DFAEE6-30E3-4167-ADF0-D523BAFA5179}" type="datetimeFigureOut">
               <a:rPr lang="en-CA" smtClean="0"/>
-              <a:t>04/11/2015</a:t>
+              <a:t>2016-08-09</a:t>
             </a:fld>
             <a:endParaRPr lang="en-CA"/>
           </a:p>
@@ -1777,7 +1775,7 @@
     </p:spTree>
     <p:extLst>
       <p:ext uri="{BB962C8B-B14F-4D97-AF65-F5344CB8AC3E}">
-        <p14:creationId xmlns:p14="http://schemas.microsoft.com/office/powerpoint/2010/main" val="273074001"/>
+        <p14:creationId xmlns:p14="http://schemas.microsoft.com/office/powerpoint/2010/main" val="1551109370"/>
       </p:ext>
     </p:extLst>
   </p:cSld>
@@ -1821,7 +1819,7 @@
           <a:p>
             <a:fld id="{61DFAEE6-30E3-4167-ADF0-D523BAFA5179}" type="datetimeFigureOut">
               <a:rPr lang="en-CA" smtClean="0"/>
-              <a:t>04/11/2015</a:t>
+              <a:t>2016-08-09</a:t>
             </a:fld>
             <a:endParaRPr lang="en-CA"/>
           </a:p>
@@ -1872,7 +1870,7 @@
     </p:spTree>
     <p:extLst>
       <p:ext uri="{BB962C8B-B14F-4D97-AF65-F5344CB8AC3E}">
-        <p14:creationId xmlns:p14="http://schemas.microsoft.com/office/powerpoint/2010/main" val="2852847080"/>
+        <p14:creationId xmlns:p14="http://schemas.microsoft.com/office/powerpoint/2010/main" val="1130125883"/>
       </p:ext>
     </p:extLst>
   </p:cSld>
@@ -1911,15 +1909,15 @@
         </p:nvSpPr>
         <p:spPr>
           <a:xfrm>
-            <a:off x="736455" y="304800"/>
-            <a:ext cx="3448388" cy="1066800"/>
+            <a:off x="396822" y="640080"/>
+            <a:ext cx="1858085" cy="2240280"/>
           </a:xfrm>
         </p:spPr>
         <p:txBody>
           <a:bodyPr anchor="b"/>
           <a:lstStyle>
             <a:lvl1pPr>
-              <a:defRPr sz="2133"/>
+              <a:defRPr sz="2016"/>
             </a:lvl1pPr>
           </a:lstStyle>
           <a:p>
@@ -1943,39 +1941,39 @@
         </p:nvSpPr>
         <p:spPr>
           <a:xfrm>
-            <a:off x="4545413" y="658284"/>
-            <a:ext cx="5412730" cy="3249083"/>
+            <a:off x="2449192" y="1382397"/>
+            <a:ext cx="2916525" cy="6823075"/>
           </a:xfrm>
         </p:spPr>
         <p:txBody>
           <a:bodyPr/>
           <a:lstStyle>
             <a:lvl1pPr>
-              <a:defRPr sz="2133"/>
+              <a:defRPr sz="2016"/>
             </a:lvl1pPr>
             <a:lvl2pPr>
-              <a:defRPr sz="1867"/>
+              <a:defRPr sz="1764"/>
             </a:lvl2pPr>
             <a:lvl3pPr>
-              <a:defRPr sz="1600"/>
+              <a:defRPr sz="1512"/>
             </a:lvl3pPr>
             <a:lvl4pPr>
-              <a:defRPr sz="1333"/>
+              <a:defRPr sz="1260"/>
             </a:lvl4pPr>
             <a:lvl5pPr>
-              <a:defRPr sz="1333"/>
+              <a:defRPr sz="1260"/>
             </a:lvl5pPr>
             <a:lvl6pPr>
-              <a:defRPr sz="1333"/>
+              <a:defRPr sz="1260"/>
             </a:lvl6pPr>
             <a:lvl7pPr>
-              <a:defRPr sz="1333"/>
+              <a:defRPr sz="1260"/>
             </a:lvl7pPr>
             <a:lvl8pPr>
-              <a:defRPr sz="1333"/>
+              <a:defRPr sz="1260"/>
             </a:lvl8pPr>
             <a:lvl9pPr>
-              <a:defRPr sz="1333"/>
+              <a:defRPr sz="1260"/>
             </a:lvl9pPr>
           </a:lstStyle>
           <a:p>
@@ -2028,8 +2026,8 @@
         </p:nvSpPr>
         <p:spPr>
           <a:xfrm>
-            <a:off x="736455" y="1371600"/>
-            <a:ext cx="3448388" cy="2541059"/>
+            <a:off x="396822" y="2880360"/>
+            <a:ext cx="1858085" cy="5336223"/>
           </a:xfrm>
         </p:spPr>
         <p:txBody>
@@ -2037,39 +2035,39 @@
           <a:lstStyle>
             <a:lvl1pPr marL="0" indent="0">
               <a:buNone/>
-              <a:defRPr sz="1067"/>
+              <a:defRPr sz="1008"/>
             </a:lvl1pPr>
-            <a:lvl2pPr marL="304815" indent="0">
-              <a:buNone/>
-              <a:defRPr sz="933"/>
+            <a:lvl2pPr marL="288036" indent="0">
+              <a:buNone/>
+              <a:defRPr sz="882"/>
             </a:lvl2pPr>
-            <a:lvl3pPr marL="609630" indent="0">
-              <a:buNone/>
-              <a:defRPr sz="800"/>
+            <a:lvl3pPr marL="576072" indent="0">
+              <a:buNone/>
+              <a:defRPr sz="756"/>
             </a:lvl3pPr>
-            <a:lvl4pPr marL="914446" indent="0">
-              <a:buNone/>
-              <a:defRPr sz="667"/>
+            <a:lvl4pPr marL="864108" indent="0">
+              <a:buNone/>
+              <a:defRPr sz="630"/>
             </a:lvl4pPr>
-            <a:lvl5pPr marL="1219261" indent="0">
-              <a:buNone/>
-              <a:defRPr sz="667"/>
+            <a:lvl5pPr marL="1152144" indent="0">
+              <a:buNone/>
+              <a:defRPr sz="630"/>
             </a:lvl5pPr>
-            <a:lvl6pPr marL="1524076" indent="0">
-              <a:buNone/>
-              <a:defRPr sz="667"/>
+            <a:lvl6pPr marL="1440180" indent="0">
+              <a:buNone/>
+              <a:defRPr sz="630"/>
             </a:lvl6pPr>
-            <a:lvl7pPr marL="1828891" indent="0">
-              <a:buNone/>
-              <a:defRPr sz="667"/>
+            <a:lvl7pPr marL="1728216" indent="0">
+              <a:buNone/>
+              <a:defRPr sz="630"/>
             </a:lvl7pPr>
-            <a:lvl8pPr marL="2133707" indent="0">
-              <a:buNone/>
-              <a:defRPr sz="667"/>
+            <a:lvl8pPr marL="2016252" indent="0">
+              <a:buNone/>
+              <a:defRPr sz="630"/>
             </a:lvl8pPr>
-            <a:lvl9pPr marL="2438522" indent="0">
-              <a:buNone/>
-              <a:defRPr sz="667"/>
+            <a:lvl9pPr marL="2304288" indent="0">
+              <a:buNone/>
+              <a:defRPr sz="630"/>
             </a:lvl9pPr>
           </a:lstStyle>
           <a:p>
@@ -2098,7 +2096,7 @@
           <a:p>
             <a:fld id="{61DFAEE6-30E3-4167-ADF0-D523BAFA5179}" type="datetimeFigureOut">
               <a:rPr lang="en-CA" smtClean="0"/>
-              <a:t>04/11/2015</a:t>
+              <a:t>2016-08-09</a:t>
             </a:fld>
             <a:endParaRPr lang="en-CA"/>
           </a:p>
@@ -2149,7 +2147,7 @@
     </p:spTree>
     <p:extLst>
       <p:ext uri="{BB962C8B-B14F-4D97-AF65-F5344CB8AC3E}">
-        <p14:creationId xmlns:p14="http://schemas.microsoft.com/office/powerpoint/2010/main" val="108644779"/>
+        <p14:creationId xmlns:p14="http://schemas.microsoft.com/office/powerpoint/2010/main" val="2803817176"/>
       </p:ext>
     </p:extLst>
   </p:cSld>
@@ -2188,15 +2186,15 @@
         </p:nvSpPr>
         <p:spPr>
           <a:xfrm>
-            <a:off x="736455" y="304800"/>
-            <a:ext cx="3448388" cy="1066800"/>
+            <a:off x="396822" y="640080"/>
+            <a:ext cx="1858085" cy="2240280"/>
           </a:xfrm>
         </p:spPr>
         <p:txBody>
           <a:bodyPr anchor="b"/>
           <a:lstStyle>
             <a:lvl1pPr>
-              <a:defRPr sz="2133"/>
+              <a:defRPr sz="2016"/>
             </a:lvl1pPr>
           </a:lstStyle>
           <a:p>
@@ -2220,8 +2218,8 @@
         </p:nvSpPr>
         <p:spPr>
           <a:xfrm>
-            <a:off x="4545413" y="658284"/>
-            <a:ext cx="5412730" cy="3249083"/>
+            <a:off x="2449192" y="1382397"/>
+            <a:ext cx="2916525" cy="6823075"/>
           </a:xfrm>
         </p:spPr>
         <p:txBody>
@@ -2229,39 +2227,39 @@
           <a:lstStyle>
             <a:lvl1pPr marL="0" indent="0">
               <a:buNone/>
-              <a:defRPr sz="2133"/>
+              <a:defRPr sz="2016"/>
             </a:lvl1pPr>
-            <a:lvl2pPr marL="304815" indent="0">
-              <a:buNone/>
-              <a:defRPr sz="1867"/>
+            <a:lvl2pPr marL="288036" indent="0">
+              <a:buNone/>
+              <a:defRPr sz="1764"/>
             </a:lvl2pPr>
-            <a:lvl3pPr marL="609630" indent="0">
-              <a:buNone/>
-              <a:defRPr sz="1600"/>
+            <a:lvl3pPr marL="576072" indent="0">
+              <a:buNone/>
+              <a:defRPr sz="1512"/>
             </a:lvl3pPr>
-            <a:lvl4pPr marL="914446" indent="0">
-              <a:buNone/>
-              <a:defRPr sz="1333"/>
+            <a:lvl4pPr marL="864108" indent="0">
+              <a:buNone/>
+              <a:defRPr sz="1260"/>
             </a:lvl4pPr>
-            <a:lvl5pPr marL="1219261" indent="0">
-              <a:buNone/>
-              <a:defRPr sz="1333"/>
+            <a:lvl5pPr marL="1152144" indent="0">
+              <a:buNone/>
+              <a:defRPr sz="1260"/>
             </a:lvl5pPr>
-            <a:lvl6pPr marL="1524076" indent="0">
-              <a:buNone/>
-              <a:defRPr sz="1333"/>
+            <a:lvl6pPr marL="1440180" indent="0">
+              <a:buNone/>
+              <a:defRPr sz="1260"/>
             </a:lvl6pPr>
-            <a:lvl7pPr marL="1828891" indent="0">
-              <a:buNone/>
-              <a:defRPr sz="1333"/>
+            <a:lvl7pPr marL="1728216" indent="0">
+              <a:buNone/>
+              <a:defRPr sz="1260"/>
             </a:lvl7pPr>
-            <a:lvl8pPr marL="2133707" indent="0">
-              <a:buNone/>
-              <a:defRPr sz="1333"/>
+            <a:lvl8pPr marL="2016252" indent="0">
+              <a:buNone/>
+              <a:defRPr sz="1260"/>
             </a:lvl8pPr>
-            <a:lvl9pPr marL="2438522" indent="0">
-              <a:buNone/>
-              <a:defRPr sz="1333"/>
+            <a:lvl9pPr marL="2304288" indent="0">
+              <a:buNone/>
+              <a:defRPr sz="1260"/>
             </a:lvl9pPr>
           </a:lstStyle>
           <a:p>
@@ -2285,8 +2283,8 @@
         </p:nvSpPr>
         <p:spPr>
           <a:xfrm>
-            <a:off x="736455" y="1371600"/>
-            <a:ext cx="3448388" cy="2541059"/>
+            <a:off x="396822" y="2880360"/>
+            <a:ext cx="1858085" cy="5336223"/>
           </a:xfrm>
         </p:spPr>
         <p:txBody>
@@ -2294,39 +2292,39 @@
           <a:lstStyle>
             <a:lvl1pPr marL="0" indent="0">
               <a:buNone/>
-              <a:defRPr sz="1067"/>
+              <a:defRPr sz="1008"/>
             </a:lvl1pPr>
-            <a:lvl2pPr marL="304815" indent="0">
-              <a:buNone/>
-              <a:defRPr sz="933"/>
+            <a:lvl2pPr marL="288036" indent="0">
+              <a:buNone/>
+              <a:defRPr sz="882"/>
             </a:lvl2pPr>
-            <a:lvl3pPr marL="609630" indent="0">
-              <a:buNone/>
-              <a:defRPr sz="800"/>
+            <a:lvl3pPr marL="576072" indent="0">
+              <a:buNone/>
+              <a:defRPr sz="756"/>
             </a:lvl3pPr>
-            <a:lvl4pPr marL="914446" indent="0">
-              <a:buNone/>
-              <a:defRPr sz="667"/>
+            <a:lvl4pPr marL="864108" indent="0">
+              <a:buNone/>
+              <a:defRPr sz="630"/>
             </a:lvl4pPr>
-            <a:lvl5pPr marL="1219261" indent="0">
-              <a:buNone/>
-              <a:defRPr sz="667"/>
+            <a:lvl5pPr marL="1152144" indent="0">
+              <a:buNone/>
+              <a:defRPr sz="630"/>
             </a:lvl5pPr>
-            <a:lvl6pPr marL="1524076" indent="0">
-              <a:buNone/>
-              <a:defRPr sz="667"/>
+            <a:lvl6pPr marL="1440180" indent="0">
+              <a:buNone/>
+              <a:defRPr sz="630"/>
             </a:lvl6pPr>
-            <a:lvl7pPr marL="1828891" indent="0">
-              <a:buNone/>
-              <a:defRPr sz="667"/>
+            <a:lvl7pPr marL="1728216" indent="0">
+              <a:buNone/>
+              <a:defRPr sz="630"/>
             </a:lvl7pPr>
-            <a:lvl8pPr marL="2133707" indent="0">
-              <a:buNone/>
-              <a:defRPr sz="667"/>
+            <a:lvl8pPr marL="2016252" indent="0">
+              <a:buNone/>
+              <a:defRPr sz="630"/>
             </a:lvl8pPr>
-            <a:lvl9pPr marL="2438522" indent="0">
-              <a:buNone/>
-              <a:defRPr sz="667"/>
+            <a:lvl9pPr marL="2304288" indent="0">
+              <a:buNone/>
+              <a:defRPr sz="630"/>
             </a:lvl9pPr>
           </a:lstStyle>
           <a:p>
@@ -2355,7 +2353,7 @@
           <a:p>
             <a:fld id="{61DFAEE6-30E3-4167-ADF0-D523BAFA5179}" type="datetimeFigureOut">
               <a:rPr lang="en-CA" smtClean="0"/>
-              <a:t>04/11/2015</a:t>
+              <a:t>2016-08-09</a:t>
             </a:fld>
             <a:endParaRPr lang="en-CA"/>
           </a:p>
@@ -2406,7 +2404,7 @@
     </p:spTree>
     <p:extLst>
       <p:ext uri="{BB962C8B-B14F-4D97-AF65-F5344CB8AC3E}">
-        <p14:creationId xmlns:p14="http://schemas.microsoft.com/office/powerpoint/2010/main" val="286911919"/>
+        <p14:creationId xmlns:p14="http://schemas.microsoft.com/office/powerpoint/2010/main" val="1346652072"/>
       </p:ext>
     </p:extLst>
   </p:cSld>
@@ -2450,8 +2448,8 @@
         </p:nvSpPr>
         <p:spPr>
           <a:xfrm>
-            <a:off x="735062" y="243417"/>
-            <a:ext cx="9221689" cy="883709"/>
+            <a:off x="396072" y="511177"/>
+            <a:ext cx="4968895" cy="1855788"/>
           </a:xfrm>
           <a:prstGeom prst="rect">
             <a:avLst/>
@@ -2483,8 +2481,8 @@
         </p:nvSpPr>
         <p:spPr>
           <a:xfrm>
-            <a:off x="735062" y="1217083"/>
-            <a:ext cx="9221689" cy="2900892"/>
+            <a:off x="396072" y="2555875"/>
+            <a:ext cx="4968895" cy="6091873"/>
           </a:xfrm>
           <a:prstGeom prst="rect">
             <a:avLst/>
@@ -2545,8 +2543,8 @@
         </p:nvSpPr>
         <p:spPr>
           <a:xfrm>
-            <a:off x="735062" y="4237567"/>
-            <a:ext cx="2405658" cy="243417"/>
+            <a:off x="396071" y="8898892"/>
+            <a:ext cx="1296234" cy="511175"/>
           </a:xfrm>
           <a:prstGeom prst="rect">
             <a:avLst/>
@@ -2556,7 +2554,7 @@
           <a:bodyPr vert="horz" lIns="91440" tIns="45720" rIns="91440" bIns="45720" rtlCol="0" anchor="ctr"/>
           <a:lstStyle>
             <a:lvl1pPr algn="l">
-              <a:defRPr sz="800">
+              <a:defRPr sz="756">
                 <a:solidFill>
                   <a:schemeClr val="tx1">
                     <a:tint val="75000"/>
@@ -2568,7 +2566,7 @@
           <a:p>
             <a:fld id="{61DFAEE6-30E3-4167-ADF0-D523BAFA5179}" type="datetimeFigureOut">
               <a:rPr lang="en-CA" smtClean="0"/>
-              <a:t>04/11/2015</a:t>
+              <a:t>2016-08-09</a:t>
             </a:fld>
             <a:endParaRPr lang="en-CA"/>
           </a:p>
@@ -2586,8 +2584,8 @@
         </p:nvSpPr>
         <p:spPr>
           <a:xfrm>
-            <a:off x="3541663" y="4237567"/>
-            <a:ext cx="3608487" cy="243417"/>
+            <a:off x="1908344" y="8898892"/>
+            <a:ext cx="1944350" cy="511175"/>
           </a:xfrm>
           <a:prstGeom prst="rect">
             <a:avLst/>
@@ -2597,7 +2595,7 @@
           <a:bodyPr vert="horz" lIns="91440" tIns="45720" rIns="91440" bIns="45720" rtlCol="0" anchor="ctr"/>
           <a:lstStyle>
             <a:lvl1pPr algn="ctr">
-              <a:defRPr sz="800">
+              <a:defRPr sz="756">
                 <a:solidFill>
                   <a:schemeClr val="tx1">
                     <a:tint val="75000"/>
@@ -2623,8 +2621,8 @@
         </p:nvSpPr>
         <p:spPr>
           <a:xfrm>
-            <a:off x="7551093" y="4237567"/>
-            <a:ext cx="2405658" cy="243417"/>
+            <a:off x="4068733" y="8898892"/>
+            <a:ext cx="1296234" cy="511175"/>
           </a:xfrm>
           <a:prstGeom prst="rect">
             <a:avLst/>
@@ -2634,7 +2632,7 @@
           <a:bodyPr vert="horz" lIns="91440" tIns="45720" rIns="91440" bIns="45720" rtlCol="0" anchor="ctr"/>
           <a:lstStyle>
             <a:lvl1pPr algn="r">
-              <a:defRPr sz="800">
+              <a:defRPr sz="756">
                 <a:solidFill>
                   <a:schemeClr val="tx1">
                     <a:tint val="75000"/>
@@ -2655,27 +2653,27 @@
     </p:spTree>
     <p:extLst>
       <p:ext uri="{BB962C8B-B14F-4D97-AF65-F5344CB8AC3E}">
-        <p14:creationId xmlns:p14="http://schemas.microsoft.com/office/powerpoint/2010/main" val="3864688481"/>
+        <p14:creationId xmlns:p14="http://schemas.microsoft.com/office/powerpoint/2010/main" val="355118207"/>
       </p:ext>
     </p:extLst>
   </p:cSld>
   <p:clrMap bg1="lt1" tx1="dk1" bg2="lt2" tx2="dk2" accent1="accent1" accent2="accent2" accent3="accent3" accent4="accent4" accent5="accent5" accent6="accent6" hlink="hlink" folHlink="folHlink"/>
   <p:sldLayoutIdLst>
-    <p:sldLayoutId id="2147483733" r:id="rId1"/>
-    <p:sldLayoutId id="2147483734" r:id="rId2"/>
-    <p:sldLayoutId id="2147483735" r:id="rId3"/>
-    <p:sldLayoutId id="2147483736" r:id="rId4"/>
-    <p:sldLayoutId id="2147483737" r:id="rId5"/>
-    <p:sldLayoutId id="2147483738" r:id="rId6"/>
-    <p:sldLayoutId id="2147483739" r:id="rId7"/>
-    <p:sldLayoutId id="2147483740" r:id="rId8"/>
-    <p:sldLayoutId id="2147483741" r:id="rId9"/>
-    <p:sldLayoutId id="2147483742" r:id="rId10"/>
-    <p:sldLayoutId id="2147483743" r:id="rId11"/>
+    <p:sldLayoutId id="2147483805" r:id="rId1"/>
+    <p:sldLayoutId id="2147483806" r:id="rId2"/>
+    <p:sldLayoutId id="2147483807" r:id="rId3"/>
+    <p:sldLayoutId id="2147483808" r:id="rId4"/>
+    <p:sldLayoutId id="2147483809" r:id="rId5"/>
+    <p:sldLayoutId id="2147483810" r:id="rId6"/>
+    <p:sldLayoutId id="2147483811" r:id="rId7"/>
+    <p:sldLayoutId id="2147483812" r:id="rId8"/>
+    <p:sldLayoutId id="2147483813" r:id="rId9"/>
+    <p:sldLayoutId id="2147483814" r:id="rId10"/>
+    <p:sldLayoutId id="2147483815" r:id="rId11"/>
   </p:sldLayoutIdLst>
   <p:txStyles>
     <p:titleStyle>
-      <a:lvl1pPr algn="l" defTabSz="609630" rtl="0" eaLnBrk="1" latinLnBrk="0" hangingPunct="1">
+      <a:lvl1pPr algn="l" defTabSz="576072" rtl="0" eaLnBrk="1" latinLnBrk="0" hangingPunct="1">
         <a:lnSpc>
           <a:spcPct val="90000"/>
         </a:lnSpc>
@@ -2683,7 +2681,7 @@
           <a:spcPct val="0"/>
         </a:spcBef>
         <a:buNone/>
-        <a:defRPr sz="2933" kern="1200">
+        <a:defRPr sz="2772" kern="1200">
           <a:solidFill>
             <a:schemeClr val="tx1"/>
           </a:solidFill>
@@ -2694,16 +2692,16 @@
       </a:lvl1pPr>
     </p:titleStyle>
     <p:bodyStyle>
-      <a:lvl1pPr marL="152408" indent="-152408" algn="l" defTabSz="609630" rtl="0" eaLnBrk="1" latinLnBrk="0" hangingPunct="1">
+      <a:lvl1pPr marL="144018" indent="-144018" algn="l" defTabSz="576072" rtl="0" eaLnBrk="1" latinLnBrk="0" hangingPunct="1">
         <a:lnSpc>
           <a:spcPct val="90000"/>
         </a:lnSpc>
         <a:spcBef>
-          <a:spcPts val="667"/>
+          <a:spcPts val="630"/>
         </a:spcBef>
         <a:buFont typeface="Arial" panose="020B0604020202020204" pitchFamily="34" charset="0"/>
         <a:buChar char="•"/>
-        <a:defRPr sz="1867" kern="1200">
+        <a:defRPr sz="1764" kern="1200">
           <a:solidFill>
             <a:schemeClr val="tx1"/>
           </a:solidFill>
@@ -2712,16 +2710,16 @@
           <a:cs typeface="+mn-cs"/>
         </a:defRPr>
       </a:lvl1pPr>
-      <a:lvl2pPr marL="457223" indent="-152408" algn="l" defTabSz="609630" rtl="0" eaLnBrk="1" latinLnBrk="0" hangingPunct="1">
+      <a:lvl2pPr marL="432054" indent="-144018" algn="l" defTabSz="576072" rtl="0" eaLnBrk="1" latinLnBrk="0" hangingPunct="1">
         <a:lnSpc>
           <a:spcPct val="90000"/>
         </a:lnSpc>
         <a:spcBef>
-          <a:spcPts val="333"/>
+          <a:spcPts val="315"/>
         </a:spcBef>
         <a:buFont typeface="Arial" panose="020B0604020202020204" pitchFamily="34" charset="0"/>
         <a:buChar char="•"/>
-        <a:defRPr sz="1600" kern="1200">
+        <a:defRPr sz="1512" kern="1200">
           <a:solidFill>
             <a:schemeClr val="tx1"/>
           </a:solidFill>
@@ -2730,16 +2728,16 @@
           <a:cs typeface="+mn-cs"/>
         </a:defRPr>
       </a:lvl2pPr>
-      <a:lvl3pPr marL="762038" indent="-152408" algn="l" defTabSz="609630" rtl="0" eaLnBrk="1" latinLnBrk="0" hangingPunct="1">
+      <a:lvl3pPr marL="720090" indent="-144018" algn="l" defTabSz="576072" rtl="0" eaLnBrk="1" latinLnBrk="0" hangingPunct="1">
         <a:lnSpc>
           <a:spcPct val="90000"/>
         </a:lnSpc>
         <a:spcBef>
-          <a:spcPts val="333"/>
+          <a:spcPts val="315"/>
         </a:spcBef>
         <a:buFont typeface="Arial" panose="020B0604020202020204" pitchFamily="34" charset="0"/>
         <a:buChar char="•"/>
-        <a:defRPr sz="1333" kern="1200">
+        <a:defRPr sz="1260" kern="1200">
           <a:solidFill>
             <a:schemeClr val="tx1"/>
           </a:solidFill>
@@ -2748,16 +2746,16 @@
           <a:cs typeface="+mn-cs"/>
         </a:defRPr>
       </a:lvl3pPr>
-      <a:lvl4pPr marL="1066853" indent="-152408" algn="l" defTabSz="609630" rtl="0" eaLnBrk="1" latinLnBrk="0" hangingPunct="1">
+      <a:lvl4pPr marL="1008126" indent="-144018" algn="l" defTabSz="576072" rtl="0" eaLnBrk="1" latinLnBrk="0" hangingPunct="1">
         <a:lnSpc>
           <a:spcPct val="90000"/>
         </a:lnSpc>
         <a:spcBef>
-          <a:spcPts val="333"/>
+          <a:spcPts val="315"/>
         </a:spcBef>
         <a:buFont typeface="Arial" panose="020B0604020202020204" pitchFamily="34" charset="0"/>
         <a:buChar char="•"/>
-        <a:defRPr sz="1200" kern="1200">
+        <a:defRPr sz="1134" kern="1200">
           <a:solidFill>
             <a:schemeClr val="tx1"/>
           </a:solidFill>
@@ -2766,16 +2764,16 @@
           <a:cs typeface="+mn-cs"/>
         </a:defRPr>
       </a:lvl4pPr>
-      <a:lvl5pPr marL="1371669" indent="-152408" algn="l" defTabSz="609630" rtl="0" eaLnBrk="1" latinLnBrk="0" hangingPunct="1">
+      <a:lvl5pPr marL="1296162" indent="-144018" algn="l" defTabSz="576072" rtl="0" eaLnBrk="1" latinLnBrk="0" hangingPunct="1">
         <a:lnSpc>
           <a:spcPct val="90000"/>
         </a:lnSpc>
         <a:spcBef>
-          <a:spcPts val="333"/>
+          <a:spcPts val="315"/>
         </a:spcBef>
         <a:buFont typeface="Arial" panose="020B0604020202020204" pitchFamily="34" charset="0"/>
         <a:buChar char="•"/>
-        <a:defRPr sz="1200" kern="1200">
+        <a:defRPr sz="1134" kern="1200">
           <a:solidFill>
             <a:schemeClr val="tx1"/>
           </a:solidFill>
@@ -2784,16 +2782,16 @@
           <a:cs typeface="+mn-cs"/>
         </a:defRPr>
       </a:lvl5pPr>
-      <a:lvl6pPr marL="1676484" indent="-152408" algn="l" defTabSz="609630" rtl="0" eaLnBrk="1" latinLnBrk="0" hangingPunct="1">
+      <a:lvl6pPr marL="1584198" indent="-144018" algn="l" defTabSz="576072" rtl="0" eaLnBrk="1" latinLnBrk="0" hangingPunct="1">
         <a:lnSpc>
           <a:spcPct val="90000"/>
         </a:lnSpc>
         <a:spcBef>
-          <a:spcPts val="333"/>
+          <a:spcPts val="315"/>
         </a:spcBef>
         <a:buFont typeface="Arial" panose="020B0604020202020204" pitchFamily="34" charset="0"/>
         <a:buChar char="•"/>
-        <a:defRPr sz="1200" kern="1200">
+        <a:defRPr sz="1134" kern="1200">
           <a:solidFill>
             <a:schemeClr val="tx1"/>
           </a:solidFill>
@@ -2802,16 +2800,16 @@
           <a:cs typeface="+mn-cs"/>
         </a:defRPr>
       </a:lvl6pPr>
-      <a:lvl7pPr marL="1981299" indent="-152408" algn="l" defTabSz="609630" rtl="0" eaLnBrk="1" latinLnBrk="0" hangingPunct="1">
+      <a:lvl7pPr marL="1872234" indent="-144018" algn="l" defTabSz="576072" rtl="0" eaLnBrk="1" latinLnBrk="0" hangingPunct="1">
         <a:lnSpc>
           <a:spcPct val="90000"/>
         </a:lnSpc>
         <a:spcBef>
-          <a:spcPts val="333"/>
+          <a:spcPts val="315"/>
         </a:spcBef>
         <a:buFont typeface="Arial" panose="020B0604020202020204" pitchFamily="34" charset="0"/>
         <a:buChar char="•"/>
-        <a:defRPr sz="1200" kern="1200">
+        <a:defRPr sz="1134" kern="1200">
           <a:solidFill>
             <a:schemeClr val="tx1"/>
           </a:solidFill>
@@ -2820,16 +2818,16 @@
           <a:cs typeface="+mn-cs"/>
         </a:defRPr>
       </a:lvl7pPr>
-      <a:lvl8pPr marL="2286114" indent="-152408" algn="l" defTabSz="609630" rtl="0" eaLnBrk="1" latinLnBrk="0" hangingPunct="1">
+      <a:lvl8pPr marL="2160270" indent="-144018" algn="l" defTabSz="576072" rtl="0" eaLnBrk="1" latinLnBrk="0" hangingPunct="1">
         <a:lnSpc>
           <a:spcPct val="90000"/>
         </a:lnSpc>
         <a:spcBef>
-          <a:spcPts val="333"/>
+          <a:spcPts val="315"/>
         </a:spcBef>
         <a:buFont typeface="Arial" panose="020B0604020202020204" pitchFamily="34" charset="0"/>
         <a:buChar char="•"/>
-        <a:defRPr sz="1200" kern="1200">
+        <a:defRPr sz="1134" kern="1200">
           <a:solidFill>
             <a:schemeClr val="tx1"/>
           </a:solidFill>
@@ -2838,16 +2836,16 @@
           <a:cs typeface="+mn-cs"/>
         </a:defRPr>
       </a:lvl8pPr>
-      <a:lvl9pPr marL="2590930" indent="-152408" algn="l" defTabSz="609630" rtl="0" eaLnBrk="1" latinLnBrk="0" hangingPunct="1">
+      <a:lvl9pPr marL="2448306" indent="-144018" algn="l" defTabSz="576072" rtl="0" eaLnBrk="1" latinLnBrk="0" hangingPunct="1">
         <a:lnSpc>
           <a:spcPct val="90000"/>
         </a:lnSpc>
         <a:spcBef>
-          <a:spcPts val="333"/>
+          <a:spcPts val="315"/>
         </a:spcBef>
         <a:buFont typeface="Arial" panose="020B0604020202020204" pitchFamily="34" charset="0"/>
         <a:buChar char="•"/>
-        <a:defRPr sz="1200" kern="1200">
+        <a:defRPr sz="1134" kern="1200">
           <a:solidFill>
             <a:schemeClr val="tx1"/>
           </a:solidFill>
@@ -2861,8 +2859,8 @@
       <a:defPPr>
         <a:defRPr lang="en-US"/>
       </a:defPPr>
-      <a:lvl1pPr marL="0" algn="l" defTabSz="609630" rtl="0" eaLnBrk="1" latinLnBrk="0" hangingPunct="1">
-        <a:defRPr sz="1200" kern="1200">
+      <a:lvl1pPr marL="0" algn="l" defTabSz="576072" rtl="0" eaLnBrk="1" latinLnBrk="0" hangingPunct="1">
+        <a:defRPr sz="1134" kern="1200">
           <a:solidFill>
             <a:schemeClr val="tx1"/>
           </a:solidFill>
@@ -2871,8 +2869,8 @@
           <a:cs typeface="+mn-cs"/>
         </a:defRPr>
       </a:lvl1pPr>
-      <a:lvl2pPr marL="304815" algn="l" defTabSz="609630" rtl="0" eaLnBrk="1" latinLnBrk="0" hangingPunct="1">
-        <a:defRPr sz="1200" kern="1200">
+      <a:lvl2pPr marL="288036" algn="l" defTabSz="576072" rtl="0" eaLnBrk="1" latinLnBrk="0" hangingPunct="1">
+        <a:defRPr sz="1134" kern="1200">
           <a:solidFill>
             <a:schemeClr val="tx1"/>
           </a:solidFill>
@@ -2881,8 +2879,8 @@
           <a:cs typeface="+mn-cs"/>
         </a:defRPr>
       </a:lvl2pPr>
-      <a:lvl3pPr marL="609630" algn="l" defTabSz="609630" rtl="0" eaLnBrk="1" latinLnBrk="0" hangingPunct="1">
-        <a:defRPr sz="1200" kern="1200">
+      <a:lvl3pPr marL="576072" algn="l" defTabSz="576072" rtl="0" eaLnBrk="1" latinLnBrk="0" hangingPunct="1">
+        <a:defRPr sz="1134" kern="1200">
           <a:solidFill>
             <a:schemeClr val="tx1"/>
           </a:solidFill>
@@ -2891,8 +2889,8 @@
           <a:cs typeface="+mn-cs"/>
         </a:defRPr>
       </a:lvl3pPr>
-      <a:lvl4pPr marL="914446" algn="l" defTabSz="609630" rtl="0" eaLnBrk="1" latinLnBrk="0" hangingPunct="1">
-        <a:defRPr sz="1200" kern="1200">
+      <a:lvl4pPr marL="864108" algn="l" defTabSz="576072" rtl="0" eaLnBrk="1" latinLnBrk="0" hangingPunct="1">
+        <a:defRPr sz="1134" kern="1200">
           <a:solidFill>
             <a:schemeClr val="tx1"/>
           </a:solidFill>
@@ -2901,8 +2899,8 @@
           <a:cs typeface="+mn-cs"/>
         </a:defRPr>
       </a:lvl4pPr>
-      <a:lvl5pPr marL="1219261" algn="l" defTabSz="609630" rtl="0" eaLnBrk="1" latinLnBrk="0" hangingPunct="1">
-        <a:defRPr sz="1200" kern="1200">
+      <a:lvl5pPr marL="1152144" algn="l" defTabSz="576072" rtl="0" eaLnBrk="1" latinLnBrk="0" hangingPunct="1">
+        <a:defRPr sz="1134" kern="1200">
           <a:solidFill>
             <a:schemeClr val="tx1"/>
           </a:solidFill>
@@ -2911,8 +2909,8 @@
           <a:cs typeface="+mn-cs"/>
         </a:defRPr>
       </a:lvl5pPr>
-      <a:lvl6pPr marL="1524076" algn="l" defTabSz="609630" rtl="0" eaLnBrk="1" latinLnBrk="0" hangingPunct="1">
-        <a:defRPr sz="1200" kern="1200">
+      <a:lvl6pPr marL="1440180" algn="l" defTabSz="576072" rtl="0" eaLnBrk="1" latinLnBrk="0" hangingPunct="1">
+        <a:defRPr sz="1134" kern="1200">
           <a:solidFill>
             <a:schemeClr val="tx1"/>
           </a:solidFill>
@@ -2921,8 +2919,8 @@
           <a:cs typeface="+mn-cs"/>
         </a:defRPr>
       </a:lvl6pPr>
-      <a:lvl7pPr marL="1828891" algn="l" defTabSz="609630" rtl="0" eaLnBrk="1" latinLnBrk="0" hangingPunct="1">
-        <a:defRPr sz="1200" kern="1200">
+      <a:lvl7pPr marL="1728216" algn="l" defTabSz="576072" rtl="0" eaLnBrk="1" latinLnBrk="0" hangingPunct="1">
+        <a:defRPr sz="1134" kern="1200">
           <a:solidFill>
             <a:schemeClr val="tx1"/>
           </a:solidFill>
@@ -2931,8 +2929,8 @@
           <a:cs typeface="+mn-cs"/>
         </a:defRPr>
       </a:lvl7pPr>
-      <a:lvl8pPr marL="2133707" algn="l" defTabSz="609630" rtl="0" eaLnBrk="1" latinLnBrk="0" hangingPunct="1">
-        <a:defRPr sz="1200" kern="1200">
+      <a:lvl8pPr marL="2016252" algn="l" defTabSz="576072" rtl="0" eaLnBrk="1" latinLnBrk="0" hangingPunct="1">
+        <a:defRPr sz="1134" kern="1200">
           <a:solidFill>
             <a:schemeClr val="tx1"/>
           </a:solidFill>
@@ -2941,8 +2939,8 @@
           <a:cs typeface="+mn-cs"/>
         </a:defRPr>
       </a:lvl8pPr>
-      <a:lvl9pPr marL="2438522" algn="l" defTabSz="609630" rtl="0" eaLnBrk="1" latinLnBrk="0" hangingPunct="1">
-        <a:defRPr sz="1200" kern="1200">
+      <a:lvl9pPr marL="2304288" algn="l" defTabSz="576072" rtl="0" eaLnBrk="1" latinLnBrk="0" hangingPunct="1">
+        <a:defRPr sz="1134" kern="1200">
           <a:solidFill>
             <a:schemeClr val="tx1"/>
           </a:solidFill>
@@ -2975,7 +2973,7 @@
       </p:grpSpPr>
       <p:pic>
         <p:nvPicPr>
-          <p:cNvPr id="33" name="Picture 32"/>
+          <p:cNvPr id="28" name="Picture 27"/>
           <p:cNvPicPr>
             <a:picLocks noChangeAspect="1"/>
           </p:cNvPicPr>
@@ -2995,17 +2993,55 @@
         </p:blipFill>
         <p:spPr>
           <a:xfrm>
-            <a:off x="4704368" y="2"/>
-            <a:ext cx="5991872" cy="4553335"/>
+            <a:off x="-1" y="0"/>
+            <a:ext cx="5753334" cy="5259138"/>
           </a:xfrm>
           <a:prstGeom prst="rect">
             <a:avLst/>
           </a:prstGeom>
         </p:spPr>
       </p:pic>
+      <p:sp>
+        <p:nvSpPr>
+          <p:cNvPr id="29" name="TextBox 28"/>
+          <p:cNvSpPr txBox="1"/>
+          <p:nvPr/>
+        </p:nvSpPr>
+        <p:spPr>
+          <a:xfrm>
+            <a:off x="0" y="0"/>
+            <a:ext cx="436338" cy="369332"/>
+          </a:xfrm>
+          <a:prstGeom prst="rect">
+            <a:avLst/>
+          </a:prstGeom>
+          <a:noFill/>
+        </p:spPr>
+        <p:txBody>
+          <a:bodyPr wrap="none" rtlCol="0">
+            <a:spAutoFit/>
+          </a:bodyPr>
+          <a:lstStyle/>
+          <a:p>
+            <a:r>
+              <a:rPr lang="en-CA" dirty="0" smtClean="0">
+                <a:solidFill>
+                  <a:schemeClr val="bg1"/>
+                </a:solidFill>
+              </a:rPr>
+              <a:t>(a)</a:t>
+            </a:r>
+            <a:endParaRPr lang="en-CA" dirty="0">
+              <a:solidFill>
+                <a:schemeClr val="bg1"/>
+              </a:solidFill>
+            </a:endParaRPr>
+          </a:p>
+        </p:txBody>
+      </p:sp>
       <p:pic>
         <p:nvPicPr>
-          <p:cNvPr id="34" name="Picture 33"/>
+          <p:cNvPr id="30" name="Picture 29"/>
           <p:cNvPicPr>
             <a:picLocks noChangeAspect="1"/>
           </p:cNvPicPr>
@@ -3025,8 +3061,8 @@
         </p:blipFill>
         <p:spPr>
           <a:xfrm>
-            <a:off x="0" y="0"/>
-            <a:ext cx="4981208" cy="4553335"/>
+            <a:off x="-238539" y="5029585"/>
+            <a:ext cx="5991872" cy="4553335"/>
           </a:xfrm>
           <a:prstGeom prst="rect">
             <a:avLst/>
@@ -3035,51 +3071,13 @@
       </p:pic>
       <p:sp>
         <p:nvSpPr>
-          <p:cNvPr id="35" name="TextBox 34"/>
+          <p:cNvPr id="31" name="TextBox 30"/>
           <p:cNvSpPr txBox="1"/>
           <p:nvPr/>
         </p:nvSpPr>
         <p:spPr>
           <a:xfrm>
-            <a:off x="0" y="0"/>
-            <a:ext cx="436338" cy="369332"/>
-          </a:xfrm>
-          <a:prstGeom prst="rect">
-            <a:avLst/>
-          </a:prstGeom>
-          <a:noFill/>
-        </p:spPr>
-        <p:txBody>
-          <a:bodyPr wrap="none" rtlCol="0">
-            <a:spAutoFit/>
-          </a:bodyPr>
-          <a:lstStyle/>
-          <a:p>
-            <a:r>
-              <a:rPr lang="en-CA" dirty="0" smtClean="0">
-                <a:solidFill>
-                  <a:schemeClr val="bg1"/>
-                </a:solidFill>
-              </a:rPr>
-              <a:t>(a)</a:t>
-            </a:r>
-            <a:endParaRPr lang="en-CA" dirty="0">
-              <a:solidFill>
-                <a:schemeClr val="bg1"/>
-              </a:solidFill>
-            </a:endParaRPr>
-          </a:p>
-        </p:txBody>
-      </p:sp>
-      <p:sp>
-        <p:nvSpPr>
-          <p:cNvPr id="36" name="TextBox 35"/>
-          <p:cNvSpPr txBox="1"/>
-          <p:nvPr/>
-        </p:nvSpPr>
-        <p:spPr>
-          <a:xfrm>
-            <a:off x="4946459" y="-3255"/>
+            <a:off x="3552" y="5026328"/>
             <a:ext cx="447558" cy="369332"/>
           </a:xfrm>
           <a:prstGeom prst="rect">
